--- a/assets/DataAnalysis.pptx
+++ b/assets/DataAnalysis.pptx
@@ -121,6 +121,7 @@
       </a:defRPr>
     </a:lvl9pPr>
   </p:defaultTextStyle>
+  <p:modifyVerifier cryptProviderType="rsaAES" cryptAlgorithmClass="hash" cryptAlgorithmType="typeAny" cryptAlgorithmSid="14" spinCount="100000" saltData="NoLEeEcq1NTc5CT4nyuFqA==" hashData="O3cvg/Kzxn4jiAvpRN2AtbRz4BvhB6lWmMGKBOhkWli8+0hRA9tT1JUVkIvekLL7/BF7E0/2rk/GJvcgCTYdvg=="/>
   <p:extLst>
     <p:ext uri="{EFAFB233-063F-42B5-8137-9DF3F51BA10A}">
       <p15:sldGuideLst xmlns:p15="http://schemas.microsoft.com/office/powerpoint/2012/main"/>
@@ -8102,7 +8103,7 @@
           <a:p>
             <a:fld id="{4FA67828-250E-47A3-8CD6-3FADF558A01A}" type="datetimeFigureOut">
               <a:rPr lang="zh-CN" altLang="en-US" smtClean="0"/>
-              <a:t>2018/8/14</a:t>
+              <a:t>2018/8/24</a:t>
             </a:fld>
             <a:endParaRPr lang="zh-CN" altLang="en-US"/>
           </a:p>
@@ -8300,7 +8301,7 @@
           <a:p>
             <a:fld id="{4FA67828-250E-47A3-8CD6-3FADF558A01A}" type="datetimeFigureOut">
               <a:rPr lang="zh-CN" altLang="en-US" smtClean="0"/>
-              <a:t>2018/8/14</a:t>
+              <a:t>2018/8/24</a:t>
             </a:fld>
             <a:endParaRPr lang="zh-CN" altLang="en-US"/>
           </a:p>
@@ -8508,7 +8509,7 @@
           <a:p>
             <a:fld id="{4FA67828-250E-47A3-8CD6-3FADF558A01A}" type="datetimeFigureOut">
               <a:rPr lang="zh-CN" altLang="en-US" smtClean="0"/>
-              <a:t>2018/8/14</a:t>
+              <a:t>2018/8/24</a:t>
             </a:fld>
             <a:endParaRPr lang="zh-CN" altLang="en-US"/>
           </a:p>
@@ -8706,7 +8707,7 @@
           <a:p>
             <a:fld id="{4FA67828-250E-47A3-8CD6-3FADF558A01A}" type="datetimeFigureOut">
               <a:rPr lang="zh-CN" altLang="en-US" smtClean="0"/>
-              <a:t>2018/8/14</a:t>
+              <a:t>2018/8/24</a:t>
             </a:fld>
             <a:endParaRPr lang="zh-CN" altLang="en-US"/>
           </a:p>
@@ -8981,7 +8982,7 @@
           <a:p>
             <a:fld id="{4FA67828-250E-47A3-8CD6-3FADF558A01A}" type="datetimeFigureOut">
               <a:rPr lang="zh-CN" altLang="en-US" smtClean="0"/>
-              <a:t>2018/8/14</a:t>
+              <a:t>2018/8/24</a:t>
             </a:fld>
             <a:endParaRPr lang="zh-CN" altLang="en-US"/>
           </a:p>
@@ -9246,7 +9247,7 @@
           <a:p>
             <a:fld id="{4FA67828-250E-47A3-8CD6-3FADF558A01A}" type="datetimeFigureOut">
               <a:rPr lang="zh-CN" altLang="en-US" smtClean="0"/>
-              <a:t>2018/8/14</a:t>
+              <a:t>2018/8/24</a:t>
             </a:fld>
             <a:endParaRPr lang="zh-CN" altLang="en-US"/>
           </a:p>
@@ -9658,7 +9659,7 @@
           <a:p>
             <a:fld id="{4FA67828-250E-47A3-8CD6-3FADF558A01A}" type="datetimeFigureOut">
               <a:rPr lang="zh-CN" altLang="en-US" smtClean="0"/>
-              <a:t>2018/8/14</a:t>
+              <a:t>2018/8/24</a:t>
             </a:fld>
             <a:endParaRPr lang="zh-CN" altLang="en-US"/>
           </a:p>
@@ -9799,7 +9800,7 @@
           <a:p>
             <a:fld id="{4FA67828-250E-47A3-8CD6-3FADF558A01A}" type="datetimeFigureOut">
               <a:rPr lang="zh-CN" altLang="en-US" smtClean="0"/>
-              <a:t>2018/8/14</a:t>
+              <a:t>2018/8/24</a:t>
             </a:fld>
             <a:endParaRPr lang="zh-CN" altLang="en-US"/>
           </a:p>
@@ -9912,7 +9913,7 @@
           <a:p>
             <a:fld id="{4FA67828-250E-47A3-8CD6-3FADF558A01A}" type="datetimeFigureOut">
               <a:rPr lang="zh-CN" altLang="en-US" smtClean="0"/>
-              <a:t>2018/8/14</a:t>
+              <a:t>2018/8/24</a:t>
             </a:fld>
             <a:endParaRPr lang="zh-CN" altLang="en-US"/>
           </a:p>
@@ -10223,7 +10224,7 @@
           <a:p>
             <a:fld id="{4FA67828-250E-47A3-8CD6-3FADF558A01A}" type="datetimeFigureOut">
               <a:rPr lang="zh-CN" altLang="en-US" smtClean="0"/>
-              <a:t>2018/8/14</a:t>
+              <a:t>2018/8/24</a:t>
             </a:fld>
             <a:endParaRPr lang="zh-CN" altLang="en-US"/>
           </a:p>
@@ -10511,7 +10512,7 @@
           <a:p>
             <a:fld id="{4FA67828-250E-47A3-8CD6-3FADF558A01A}" type="datetimeFigureOut">
               <a:rPr lang="zh-CN" altLang="en-US" smtClean="0"/>
-              <a:t>2018/8/14</a:t>
+              <a:t>2018/8/24</a:t>
             </a:fld>
             <a:endParaRPr lang="zh-CN" altLang="en-US"/>
           </a:p>
@@ -10757,7 +10758,7 @@
           <a:p>
             <a:fld id="{4FA67828-250E-47A3-8CD6-3FADF558A01A}" type="datetimeFigureOut">
               <a:rPr lang="zh-CN" altLang="en-US" smtClean="0"/>
-              <a:t>2018/8/14</a:t>
+              <a:t>2018/8/24</a:t>
             </a:fld>
             <a:endParaRPr lang="zh-CN" altLang="en-US"/>
           </a:p>
@@ -12102,13 +12103,13 @@
   <p:clrMapOvr>
     <a:masterClrMapping/>
   </p:clrMapOvr>
-  <mc:AlternateContent xmlns:mc="http://schemas.openxmlformats.org/markup-compatibility/2006">
-    <mc:Choice xmlns:p14="http://schemas.microsoft.com/office/powerpoint/2010/main" Requires="p14">
+  <mc:AlternateContent xmlns:mc="http://schemas.openxmlformats.org/markup-compatibility/2006" xmlns:p14="http://schemas.microsoft.com/office/powerpoint/2010/main">
+    <mc:Choice Requires="p14">
       <p:transition advClick="0" advTm="1200">
         <p14:ferris dir="l"/>
       </p:transition>
     </mc:Choice>
-    <mc:Fallback>
+    <mc:Fallback xmlns="">
       <p:transition advClick="0" advTm="1200">
         <p:fade/>
       </p:transition>
@@ -12817,13 +12818,13 @@
   <p:clrMapOvr>
     <a:masterClrMapping/>
   </p:clrMapOvr>
-  <mc:AlternateContent xmlns:mc="http://schemas.openxmlformats.org/markup-compatibility/2006">
-    <mc:Choice xmlns:p14="http://schemas.microsoft.com/office/powerpoint/2010/main" Requires="p14">
+  <mc:AlternateContent xmlns:mc="http://schemas.openxmlformats.org/markup-compatibility/2006" xmlns:p14="http://schemas.microsoft.com/office/powerpoint/2010/main">
+    <mc:Choice Requires="p14">
       <p:transition advClick="0" advTm="1000">
         <p14:ferris dir="l"/>
       </p:transition>
     </mc:Choice>
-    <mc:Fallback>
+    <mc:Fallback xmlns="">
       <p:transition advClick="0" advTm="1000">
         <p:fade/>
       </p:transition>
@@ -13057,13 +13058,13 @@
   <p:clrMapOvr>
     <a:masterClrMapping/>
   </p:clrMapOvr>
-  <mc:AlternateContent xmlns:mc="http://schemas.openxmlformats.org/markup-compatibility/2006">
-    <mc:Choice xmlns:p159="http://schemas.microsoft.com/office/powerpoint/2015/09/main" Requires="p159">
+  <mc:AlternateContent xmlns:mc="http://schemas.openxmlformats.org/markup-compatibility/2006" xmlns:p159="http://schemas.microsoft.com/office/powerpoint/2015/09/main">
+    <mc:Choice Requires="p159">
       <p:transition spd="med" advClick="0" advTm="2000">
         <p159:morph option="byChar"/>
       </p:transition>
     </mc:Choice>
-    <mc:Fallback>
+    <mc:Fallback xmlns="">
       <p:transition spd="med" advClick="0" advTm="2000">
         <p:fade/>
       </p:transition>
@@ -13348,13 +13349,13 @@
   <p:clrMapOvr>
     <a:masterClrMapping/>
   </p:clrMapOvr>
-  <mc:AlternateContent xmlns:mc="http://schemas.openxmlformats.org/markup-compatibility/2006">
-    <mc:Choice xmlns:p14="http://schemas.microsoft.com/office/powerpoint/2010/main" Requires="p14">
+  <mc:AlternateContent xmlns:mc="http://schemas.openxmlformats.org/markup-compatibility/2006" xmlns:p14="http://schemas.microsoft.com/office/powerpoint/2010/main">
+    <mc:Choice Requires="p14">
       <p:transition advClick="0" advTm="1000">
         <p14:ferris dir="l"/>
       </p:transition>
     </mc:Choice>
-    <mc:Fallback>
+    <mc:Fallback xmlns="">
       <p:transition advClick="0" advTm="1000">
         <p:fade/>
       </p:transition>
@@ -14095,13 +14096,13 @@
   <p:clrMapOvr>
     <a:masterClrMapping/>
   </p:clrMapOvr>
-  <mc:AlternateContent xmlns:mc="http://schemas.openxmlformats.org/markup-compatibility/2006">
-    <mc:Choice xmlns:p14="http://schemas.microsoft.com/office/powerpoint/2010/main" Requires="p14">
+  <mc:AlternateContent xmlns:mc="http://schemas.openxmlformats.org/markup-compatibility/2006" xmlns:p14="http://schemas.microsoft.com/office/powerpoint/2010/main">
+    <mc:Choice Requires="p14">
       <p:transition advClick="0" advTm="1000">
         <p14:ferris dir="l"/>
       </p:transition>
     </mc:Choice>
-    <mc:Fallback>
+    <mc:Fallback xmlns="">
       <p:transition advClick="0" advTm="1000">
         <p:fade/>
       </p:transition>
@@ -14335,13 +14336,13 @@
   <p:clrMapOvr>
     <a:masterClrMapping/>
   </p:clrMapOvr>
-  <mc:AlternateContent xmlns:mc="http://schemas.openxmlformats.org/markup-compatibility/2006">
-    <mc:Choice xmlns:p159="http://schemas.microsoft.com/office/powerpoint/2015/09/main" Requires="p159">
+  <mc:AlternateContent xmlns:mc="http://schemas.openxmlformats.org/markup-compatibility/2006" xmlns:p159="http://schemas.microsoft.com/office/powerpoint/2015/09/main">
+    <mc:Choice Requires="p159">
       <p:transition spd="med" advClick="0" advTm="2000">
         <p159:morph option="byChar"/>
       </p:transition>
     </mc:Choice>
-    <mc:Fallback>
+    <mc:Fallback xmlns="">
       <p:transition spd="med" advClick="0" advTm="2000">
         <p:fade/>
       </p:transition>
@@ -15038,42 +15039,6 @@
           </a:fontRef>
         </p:style>
       </p:cxnSp>
-      <p:sp>
-        <p:nvSpPr>
-          <p:cNvPr id="8" name="文本框 7">
-            <a:extLst>
-              <a:ext uri="{FF2B5EF4-FFF2-40B4-BE49-F238E27FC236}">
-                <a16:creationId xmlns:a16="http://schemas.microsoft.com/office/drawing/2014/main" id="{EA6C8D8E-EBA7-4F2B-A287-A393C91A6DA9}"/>
-              </a:ext>
-            </a:extLst>
-          </p:cNvPr>
-          <p:cNvSpPr txBox="1"/>
-          <p:nvPr/>
-        </p:nvSpPr>
-        <p:spPr>
-          <a:xfrm>
-            <a:off x="104502" y="6488668"/>
-            <a:ext cx="1112805" cy="369332"/>
-          </a:xfrm>
-          <a:prstGeom prst="rect">
-            <a:avLst/>
-          </a:prstGeom>
-          <a:noFill/>
-        </p:spPr>
-        <p:txBody>
-          <a:bodyPr wrap="none" rtlCol="0">
-            <a:spAutoFit/>
-          </a:bodyPr>
-          <a:lstStyle/>
-          <a:p>
-            <a:r>
-              <a:rPr lang="en-US" altLang="zh-CN" dirty="0"/>
-              <a:t>GROUP 4</a:t>
-            </a:r>
-            <a:endParaRPr lang="zh-CN" altLang="en-US" dirty="0"/>
-          </a:p>
-        </p:txBody>
-      </p:sp>
     </p:spTree>
     <p:extLst>
       <p:ext uri="{BB962C8B-B14F-4D97-AF65-F5344CB8AC3E}">
@@ -16637,13 +16602,13 @@
   <p:clrMapOvr>
     <a:masterClrMapping/>
   </p:clrMapOvr>
-  <mc:AlternateContent xmlns:mc="http://schemas.openxmlformats.org/markup-compatibility/2006">
-    <mc:Choice xmlns:p159="http://schemas.microsoft.com/office/powerpoint/2015/09/main" Requires="p159">
+  <mc:AlternateContent xmlns:mc="http://schemas.openxmlformats.org/markup-compatibility/2006" xmlns:p159="http://schemas.microsoft.com/office/powerpoint/2015/09/main">
+    <mc:Choice Requires="p159">
       <p:transition spd="med" advClick="0" advTm="2000">
         <p159:morph option="byWord"/>
       </p:transition>
     </mc:Choice>
-    <mc:Fallback>
+    <mc:Fallback xmlns="">
       <p:transition spd="med" advClick="0" advTm="2000">
         <p:fade/>
       </p:transition>
@@ -17436,13 +17401,13 @@
   <p:clrMapOvr>
     <a:masterClrMapping/>
   </p:clrMapOvr>
-  <mc:AlternateContent xmlns:mc="http://schemas.openxmlformats.org/markup-compatibility/2006">
-    <mc:Choice xmlns:p159="http://schemas.microsoft.com/office/powerpoint/2015/09/main" Requires="p159">
+  <mc:AlternateContent xmlns:mc="http://schemas.openxmlformats.org/markup-compatibility/2006" xmlns:p159="http://schemas.microsoft.com/office/powerpoint/2015/09/main">
+    <mc:Choice Requires="p159">
       <p:transition spd="med" advClick="0" advTm="2000">
         <p159:morph option="byChar"/>
       </p:transition>
     </mc:Choice>
-    <mc:Fallback>
+    <mc:Fallback xmlns="">
       <p:transition spd="med" advClick="0" advTm="2000">
         <p:fade/>
       </p:transition>
@@ -17985,13 +17950,13 @@
   <p:clrMapOvr>
     <a:masterClrMapping/>
   </p:clrMapOvr>
-  <mc:AlternateContent xmlns:mc="http://schemas.openxmlformats.org/markup-compatibility/2006">
-    <mc:Choice xmlns:p14="http://schemas.microsoft.com/office/powerpoint/2010/main" Requires="p14">
+  <mc:AlternateContent xmlns:mc="http://schemas.openxmlformats.org/markup-compatibility/2006" xmlns:p14="http://schemas.microsoft.com/office/powerpoint/2010/main">
+    <mc:Choice Requires="p14">
       <p:transition advClick="0" advTm="1000">
         <p14:ferris dir="l"/>
       </p:transition>
     </mc:Choice>
-    <mc:Fallback>
+    <mc:Fallback xmlns="">
       <p:transition advClick="0" advTm="1000">
         <p:fade/>
       </p:transition>
